--- a/class 10/4.Ethics in IT/2. Presentation/Ethics 4.pptx
+++ b/class 10/4.Ethics in IT/2. Presentation/Ethics 4.pptx
@@ -11,13 +11,11 @@
     <p:sldId id="256" r:id="rId3"/>
     <p:sldId id="300" r:id="rId4"/>
     <p:sldId id="308" r:id="rId6"/>
-    <p:sldId id="309" r:id="rId7"/>
-    <p:sldId id="310" r:id="rId8"/>
-    <p:sldId id="312" r:id="rId9"/>
-    <p:sldId id="311" r:id="rId10"/>
-    <p:sldId id="314" r:id="rId11"/>
-    <p:sldId id="315" r:id="rId12"/>
-    <p:sldId id="283" r:id="rId13"/>
+    <p:sldId id="319" r:id="rId7"/>
+    <p:sldId id="318" r:id="rId8"/>
+    <p:sldId id="317" r:id="rId9"/>
+    <p:sldId id="320" r:id="rId10"/>
+    <p:sldId id="283" r:id="rId11"/>
   </p:sldIdLst>
   <p:sldSz cx="12192000" cy="6858000"/>
   <p:notesSz cx="7103745" cy="10234295"/>
@@ -687,94 +685,6 @@
 </file>
 
 <file path=ppt/notesSlides/notesSlide6.xml><?xml version="1.0" encoding="utf-8"?>
-<p:notes xmlns:a="http://schemas.openxmlformats.org/drawingml/2006/main" xmlns:r="http://schemas.openxmlformats.org/officeDocument/2006/relationships" xmlns:p="http://schemas.openxmlformats.org/presentationml/2006/main">
-  <p:cSld>
-    <p:spTree>
-      <p:nvGrpSpPr>
-        <p:cNvPr id="1" name=""/>
-        <p:cNvGrpSpPr/>
-        <p:nvPr/>
-      </p:nvGrpSpPr>
-      <p:grpSpPr/>
-      <p:sp>
-        <p:nvSpPr>
-          <p:cNvPr id="2" name="Slide Image Placeholder 1"/>
-          <p:cNvSpPr/>
-          <p:nvPr>
-            <p:ph type="sldImg" idx="2"/>
-          </p:nvPr>
-        </p:nvSpPr>
-        <p:spPr/>
-      </p:sp>
-      <p:sp>
-        <p:nvSpPr>
-          <p:cNvPr id="3" name="Text Placeholder 2"/>
-          <p:cNvSpPr/>
-          <p:nvPr>
-            <p:ph type="body" idx="3"/>
-          </p:nvPr>
-        </p:nvSpPr>
-        <p:spPr/>
-        <p:txBody>
-          <a:bodyPr/>
-          <a:p>
-            <a:endParaRPr lang="en-US"/>
-          </a:p>
-        </p:txBody>
-      </p:sp>
-    </p:spTree>
-  </p:cSld>
-  <p:clrMapOvr>
-    <a:masterClrMapping/>
-  </p:clrMapOvr>
-</p:notes>
-</file>
-
-<file path=ppt/notesSlides/notesSlide7.xml><?xml version="1.0" encoding="utf-8"?>
-<p:notes xmlns:a="http://schemas.openxmlformats.org/drawingml/2006/main" xmlns:r="http://schemas.openxmlformats.org/officeDocument/2006/relationships" xmlns:p="http://schemas.openxmlformats.org/presentationml/2006/main">
-  <p:cSld>
-    <p:spTree>
-      <p:nvGrpSpPr>
-        <p:cNvPr id="1" name=""/>
-        <p:cNvGrpSpPr/>
-        <p:nvPr/>
-      </p:nvGrpSpPr>
-      <p:grpSpPr/>
-      <p:sp>
-        <p:nvSpPr>
-          <p:cNvPr id="2" name="Slide Image Placeholder 1"/>
-          <p:cNvSpPr/>
-          <p:nvPr>
-            <p:ph type="sldImg" idx="2"/>
-          </p:nvPr>
-        </p:nvSpPr>
-        <p:spPr/>
-      </p:sp>
-      <p:sp>
-        <p:nvSpPr>
-          <p:cNvPr id="3" name="Text Placeholder 2"/>
-          <p:cNvSpPr/>
-          <p:nvPr>
-            <p:ph type="body" idx="3"/>
-          </p:nvPr>
-        </p:nvSpPr>
-        <p:spPr/>
-        <p:txBody>
-          <a:bodyPr/>
-          <a:p>
-            <a:endParaRPr lang="en-US"/>
-          </a:p>
-        </p:txBody>
-      </p:sp>
-    </p:spTree>
-  </p:cSld>
-  <p:clrMapOvr>
-    <a:masterClrMapping/>
-  </p:clrMapOvr>
-</p:notes>
-</file>
-
-<file path=ppt/notesSlides/notesSlide8.xml><?xml version="1.0" encoding="utf-8"?>
 <p:notes xmlns:a="http://schemas.openxmlformats.org/drawingml/2006/main" xmlns:r="http://schemas.openxmlformats.org/officeDocument/2006/relationships" xmlns:p="http://schemas.openxmlformats.org/presentationml/2006/main">
   <p:cSld>
     <p:spTree>
@@ -3895,7 +3805,7 @@
         <p:spPr>
           <a:xfrm>
             <a:off x="3672205" y="4229100"/>
-            <a:ext cx="3183890" cy="1568450"/>
+            <a:ext cx="2779395" cy="1568450"/>
           </a:xfrm>
           <a:prstGeom prst="rect">
             <a:avLst/>
@@ -3922,24 +3832,7 @@
                 <a:latin typeface="Purisa" panose="02000603000000000000" charset="0"/>
                 <a:cs typeface="Purisa" panose="02000603000000000000" charset="0"/>
               </a:rPr>
-              <a:t>Class I</a:t>
-            </a:r>
-            <a:r>
-              <a:rPr lang="" altLang="en-US" sz="4800" b="1">
-                <a:solidFill>
-                  <a:schemeClr val="tx1"/>
-                </a:solidFill>
-                <a:effectLst>
-                  <a:outerShdw blurRad="38100" dist="19050" dir="2700000" algn="tl" rotWithShape="0">
-                    <a:schemeClr val="dk1">
-                      <a:alpha val="40000"/>
-                    </a:schemeClr>
-                  </a:outerShdw>
-                </a:effectLst>
-                <a:latin typeface="Purisa" panose="02000603000000000000" charset="0"/>
-                <a:cs typeface="Purisa" panose="02000603000000000000" charset="0"/>
-              </a:rPr>
-              <a:t>X</a:t>
+              <a:t>Class X</a:t>
             </a:r>
             <a:endParaRPr lang="en-US" altLang="en-US" sz="4800" b="1">
               <a:solidFill>
@@ -4009,196 +3902,6 @@
           <a:xfrm>
             <a:off x="9763125" y="278130"/>
             <a:ext cx="2010410" cy="2010410"/>
-          </a:xfrm>
-          <a:prstGeom prst="rect">
-            <a:avLst/>
-          </a:prstGeom>
-        </p:spPr>
-      </p:pic>
-    </p:spTree>
-  </p:cSld>
-  <p:clrMapOvr>
-    <a:masterClrMapping/>
-  </p:clrMapOvr>
-</p:sld>
-</file>
-
-<file path=ppt/slides/slide10.xml><?xml version="1.0" encoding="utf-8"?>
-<p:sld xmlns:a="http://schemas.openxmlformats.org/drawingml/2006/main" xmlns:r="http://schemas.openxmlformats.org/officeDocument/2006/relationships" xmlns:p="http://schemas.openxmlformats.org/presentationml/2006/main">
-  <p:cSld>
-    <p:bg>
-      <p:bgPr>
-        <a:gradFill>
-          <a:gsLst>
-            <a:gs pos="94000">
-              <a:srgbClr val="54782E">
-                <a:alpha val="100000"/>
-              </a:srgbClr>
-            </a:gs>
-            <a:gs pos="99000">
-              <a:srgbClr val="557A2F">
-                <a:alpha val="100000"/>
-              </a:srgbClr>
-            </a:gs>
-            <a:gs pos="99000">
-              <a:srgbClr val="577D30">
-                <a:alpha val="100000"/>
-              </a:srgbClr>
-            </a:gs>
-            <a:gs pos="98000">
-              <a:srgbClr val="5C8433">
-                <a:alpha val="100000"/>
-              </a:srgbClr>
-            </a:gs>
-            <a:gs pos="96000">
-              <a:srgbClr val="659138">
-                <a:alpha val="100000"/>
-              </a:srgbClr>
-            </a:gs>
-            <a:gs pos="92000">
-              <a:srgbClr val="78AC42">
-                <a:alpha val="100000"/>
-              </a:srgbClr>
-            </a:gs>
-            <a:gs pos="42000">
-              <a:schemeClr val="bg1"/>
-            </a:gs>
-            <a:gs pos="100000">
-              <a:srgbClr val="52762D"/>
-            </a:gs>
-          </a:gsLst>
-          <a:lin ang="2700000" scaled="0"/>
-        </a:gradFill>
-        <a:effectLst/>
-      </p:bgPr>
-    </p:bg>
-    <p:spTree>
-      <p:nvGrpSpPr>
-        <p:cNvPr id="1" name=""/>
-        <p:cNvGrpSpPr/>
-        <p:nvPr/>
-      </p:nvGrpSpPr>
-      <p:grpSpPr/>
-      <p:pic>
-        <p:nvPicPr>
-          <p:cNvPr id="5" name="Picture 4" descr="United TrusT Logo"/>
-          <p:cNvPicPr>
-            <a:picLocks noChangeAspect="1"/>
-          </p:cNvPicPr>
-          <p:nvPr/>
-        </p:nvPicPr>
-        <p:blipFill>
-          <a:blip r:embed="rId1"/>
-          <a:stretch>
-            <a:fillRect/>
-          </a:stretch>
-        </p:blipFill>
-        <p:spPr>
-          <a:xfrm>
-            <a:off x="108585" y="6128385"/>
-            <a:ext cx="1650365" cy="634365"/>
-          </a:xfrm>
-          <a:prstGeom prst="rect">
-            <a:avLst/>
-          </a:prstGeom>
-        </p:spPr>
-      </p:pic>
-      <p:pic>
-        <p:nvPicPr>
-          <p:cNvPr id="6" name="Picture 5" descr="bdedu_logo"/>
-          <p:cNvPicPr>
-            <a:picLocks noChangeAspect="1"/>
-          </p:cNvPicPr>
-          <p:nvPr/>
-        </p:nvPicPr>
-        <p:blipFill>
-          <a:blip r:embed="rId2"/>
-          <a:stretch>
-            <a:fillRect/>
-          </a:stretch>
-        </p:blipFill>
-        <p:spPr>
-          <a:xfrm>
-            <a:off x="9440545" y="6061710"/>
-            <a:ext cx="2693670" cy="701040"/>
-          </a:xfrm>
-          <a:prstGeom prst="rect">
-            <a:avLst/>
-          </a:prstGeom>
-        </p:spPr>
-      </p:pic>
-      <p:pic>
-        <p:nvPicPr>
-          <p:cNvPr id="9" name="Picture 8"/>
-          <p:cNvPicPr>
-            <a:picLocks noChangeAspect="1"/>
-          </p:cNvPicPr>
-          <p:nvPr/>
-        </p:nvPicPr>
-        <p:blipFill>
-          <a:blip r:embed="rId3">
-            <a:lum bright="24000"/>
-          </a:blip>
-          <a:stretch>
-            <a:fillRect/>
-          </a:stretch>
-        </p:blipFill>
-        <p:spPr>
-          <a:xfrm>
-            <a:off x="108585" y="-498475"/>
-            <a:ext cx="2097405" cy="2482850"/>
-          </a:xfrm>
-          <a:prstGeom prst="rect">
-            <a:avLst/>
-          </a:prstGeom>
-          <a:noFill/>
-          <a:ln>
-            <a:noFill/>
-          </a:ln>
-        </p:spPr>
-      </p:pic>
-      <p:pic>
-        <p:nvPicPr>
-          <p:cNvPr id="8" name="Picture 7"/>
-          <p:cNvPicPr>
-            <a:picLocks noChangeAspect="1"/>
-          </p:cNvPicPr>
-          <p:nvPr/>
-        </p:nvPicPr>
-        <p:blipFill>
-          <a:blip r:embed="rId4"/>
-          <a:stretch>
-            <a:fillRect/>
-          </a:stretch>
-        </p:blipFill>
-        <p:spPr>
-          <a:xfrm rot="21000000">
-            <a:off x="349250" y="2075180"/>
-            <a:ext cx="4798060" cy="3469640"/>
-          </a:xfrm>
-          <a:prstGeom prst="rect">
-            <a:avLst/>
-          </a:prstGeom>
-        </p:spPr>
-      </p:pic>
-      <p:pic>
-        <p:nvPicPr>
-          <p:cNvPr id="2" name="Picture 1"/>
-          <p:cNvPicPr>
-            <a:picLocks noChangeAspect="1"/>
-          </p:cNvPicPr>
-          <p:nvPr/>
-        </p:nvPicPr>
-        <p:blipFill>
-          <a:blip r:embed="rId5"/>
-          <a:stretch>
-            <a:fillRect/>
-          </a:stretch>
-        </p:blipFill>
-        <p:spPr>
-          <a:xfrm>
-            <a:off x="5619750" y="-20320"/>
-            <a:ext cx="6741795" cy="6934835"/>
           </a:xfrm>
           <a:prstGeom prst="rect">
             <a:avLst/>
@@ -4488,7 +4191,7 @@
                 <a:latin typeface="Uroob" panose="00000800000000000000" charset="0"/>
                 <a:cs typeface="Uroob" panose="00000800000000000000" charset="0"/>
               </a:rPr>
-              <a:t>			Trojan Attacks</a:t>
+              <a:t>Cross-Site Scripting</a:t>
             </a:r>
             <a:endParaRPr lang="en-US" altLang="en-US" sz="8000">
               <a:solidFill>
@@ -4500,42 +4203,9 @@
           </a:p>
         </p:txBody>
       </p:sp>
-      <p:sp>
-        <p:nvSpPr>
-          <p:cNvPr id="2" name="Text Box 1"/>
-          <p:cNvSpPr txBox="1"/>
-          <p:nvPr/>
-        </p:nvSpPr>
-        <p:spPr>
-          <a:xfrm>
-            <a:off x="670560" y="2499995"/>
-            <a:ext cx="6404610" cy="2061210"/>
-          </a:xfrm>
-          <a:prstGeom prst="rect">
-            <a:avLst/>
-          </a:prstGeom>
-          <a:noFill/>
-        </p:spPr>
-        <p:txBody>
-          <a:bodyPr wrap="square" rtlCol="0" anchor="t">
-            <a:spAutoFit/>
-          </a:bodyPr>
-          <a:p>
-            <a:r>
-              <a:rPr lang="" altLang="en-US" sz="3200"/>
-              <a:t>t</a:t>
-            </a:r>
-            <a:r>
-              <a:rPr lang="en-US" sz="3200"/>
-              <a:t>rojan, is any malicious computer program which misleads users of its true intent.</a:t>
-            </a:r>
-            <a:endParaRPr lang="en-US" sz="3200"/>
-          </a:p>
-        </p:txBody>
-      </p:sp>
       <p:pic>
         <p:nvPicPr>
-          <p:cNvPr id="7" name="Picture 6" descr="IMG_256"/>
+          <p:cNvPr id="3" name="Picture 3" descr="IMG_256"/>
           <p:cNvPicPr>
             <a:picLocks noChangeAspect="1"/>
           </p:cNvPicPr>
@@ -4543,20 +4213,7 @@
         </p:nvPicPr>
         <p:blipFill>
           <a:blip r:embed="rId4">
-            <a:clrChange>
-              <a:clrFrom>
-                <a:srgbClr val="FFFFFF">
-                  <a:alpha val="100000"/>
-                </a:srgbClr>
-              </a:clrFrom>
-              <a:clrTo>
-                <a:srgbClr val="FFFFFF">
-                  <a:alpha val="100000"/>
-                  <a:alpha val="0"/>
-                </a:srgbClr>
-              </a:clrTo>
-            </a:clrChange>
-            <a:lum bright="-12000" contrast="6000"/>
+            <a:lum bright="-12000"/>
           </a:blip>
           <a:stretch>
             <a:fillRect/>
@@ -4564,8 +4221,8 @@
         </p:blipFill>
         <p:spPr>
           <a:xfrm>
-            <a:off x="6793865" y="2159635"/>
-            <a:ext cx="4242435" cy="3968750"/>
+            <a:off x="3034665" y="1748155"/>
+            <a:ext cx="6964680" cy="4313555"/>
           </a:xfrm>
           <a:prstGeom prst="rect">
             <a:avLst/>
@@ -4859,59 +4516,9 @@
                 <a:latin typeface="Uroob" panose="00000800000000000000" charset="0"/>
                 <a:cs typeface="Uroob" panose="00000800000000000000" charset="0"/>
               </a:rPr>
-              <a:t>S</a:t>
-            </a:r>
-            <a:r>
-              <a:rPr lang="en-US" altLang="en-US" sz="8000">
-                <a:solidFill>
-                  <a:srgbClr val="C6790C"/>
-                </a:solidFill>
-                <a:latin typeface="Uroob" panose="00000800000000000000" charset="0"/>
-                <a:cs typeface="Uroob" panose="00000800000000000000" charset="0"/>
-              </a:rPr>
-              <a:t>teal </a:t>
-            </a:r>
-            <a:r>
-              <a:rPr lang="" altLang="en-US" sz="8000">
-                <a:solidFill>
-                  <a:srgbClr val="C6790C"/>
-                </a:solidFill>
-                <a:latin typeface="Uroob" panose="00000800000000000000" charset="0"/>
-                <a:cs typeface="Uroob" panose="00000800000000000000" charset="0"/>
-              </a:rPr>
-              <a:t>F</a:t>
-            </a:r>
-            <a:r>
-              <a:rPr lang="en-US" altLang="en-US" sz="8000">
-                <a:solidFill>
-                  <a:srgbClr val="C6790C"/>
-                </a:solidFill>
-                <a:latin typeface="Uroob" panose="00000800000000000000" charset="0"/>
-                <a:cs typeface="Uroob" panose="00000800000000000000" charset="0"/>
-              </a:rPr>
-              <a:t>inancial </a:t>
-            </a:r>
-            <a:r>
-              <a:rPr lang="" altLang="en-US" sz="8000">
-                <a:solidFill>
-                  <a:srgbClr val="C6790C"/>
-                </a:solidFill>
-                <a:latin typeface="Uroob" panose="00000800000000000000" charset="0"/>
-                <a:cs typeface="Uroob" panose="00000800000000000000" charset="0"/>
-              </a:rPr>
-              <a:t>D</a:t>
-            </a:r>
-            <a:r>
-              <a:rPr lang="en-US" altLang="en-US" sz="8000">
-                <a:solidFill>
-                  <a:srgbClr val="C6790C"/>
-                </a:solidFill>
-                <a:latin typeface="Uroob" panose="00000800000000000000" charset="0"/>
-                <a:cs typeface="Uroob" panose="00000800000000000000" charset="0"/>
-              </a:rPr>
-              <a:t>ata</a:t>
-            </a:r>
-            <a:endParaRPr lang="en-US" altLang="en-US" sz="8000">
+              <a:t>XSS Attack</a:t>
+            </a:r>
+            <a:endParaRPr lang="" altLang="en-US" sz="8000">
               <a:solidFill>
                 <a:srgbClr val="C6790C"/>
               </a:solidFill>
@@ -4921,9 +4528,38 @@
           </a:p>
         </p:txBody>
       </p:sp>
+      <p:sp>
+        <p:nvSpPr>
+          <p:cNvPr id="3" name="Text Box 2"/>
+          <p:cNvSpPr txBox="1"/>
+          <p:nvPr/>
+        </p:nvSpPr>
+        <p:spPr>
+          <a:xfrm>
+            <a:off x="372110" y="2398395"/>
+            <a:ext cx="5819140" cy="2061210"/>
+          </a:xfrm>
+          <a:prstGeom prst="rect">
+            <a:avLst/>
+          </a:prstGeom>
+          <a:noFill/>
+        </p:spPr>
+        <p:txBody>
+          <a:bodyPr wrap="square" rtlCol="0" anchor="t">
+            <a:spAutoFit/>
+          </a:bodyPr>
+          <a:p>
+            <a:r>
+              <a:rPr lang="en-US" sz="3200"/>
+              <a:t>XSS enables attackers to inject client-side scripts into web pages viewed by other users</a:t>
+            </a:r>
+            <a:endParaRPr lang="en-US" sz="3200"/>
+          </a:p>
+        </p:txBody>
+      </p:sp>
       <p:pic>
         <p:nvPicPr>
-          <p:cNvPr id="2" name="Picture 1"/>
+          <p:cNvPr id="8" name="Picture 4" descr="IMG_256"/>
           <p:cNvPicPr>
             <a:picLocks noChangeAspect="1"/>
           </p:cNvPicPr>
@@ -4933,12 +4569,12 @@
           <a:blip r:embed="rId4">
             <a:clrChange>
               <a:clrFrom>
-                <a:srgbClr val="BCE5F9">
+                <a:srgbClr val="FFFFFF">
                   <a:alpha val="100000"/>
                 </a:srgbClr>
               </a:clrFrom>
               <a:clrTo>
-                <a:srgbClr val="BCE5F9">
+                <a:srgbClr val="FFFFFF">
                   <a:alpha val="100000"/>
                   <a:alpha val="0"/>
                 </a:srgbClr>
@@ -4952,24 +4588,8 @@
         </p:blipFill>
         <p:spPr>
           <a:xfrm>
-            <a:off x="5066030" y="1758315"/>
-            <a:ext cx="6777355" cy="4534535"/>
-          </a:xfrm>
-          <a:prstGeom prst="rect">
-            <a:avLst/>
-          </a:prstGeom>
-        </p:spPr>
-      </p:pic>
-      <p:sp>
-        <p:nvSpPr>
-          <p:cNvPr id="100" name="Text Box 99"/>
-          <p:cNvSpPr txBox="1"/>
-          <p:nvPr/>
-        </p:nvSpPr>
-        <p:spPr>
-          <a:xfrm>
-            <a:off x="1365250" y="2613660"/>
-            <a:ext cx="5080000" cy="2245360"/>
+            <a:off x="6285865" y="2184083"/>
+            <a:ext cx="5848350" cy="3362325"/>
           </a:xfrm>
           <a:prstGeom prst="rect">
             <a:avLst/>
@@ -4979,26 +4599,7 @@
             <a:noFill/>
           </a:ln>
         </p:spPr>
-        <p:txBody>
-          <a:bodyPr>
-            <a:spAutoFit/>
-          </a:bodyPr>
-          <a:p>
-            <a:pPr marL="0" indent="0"/>
-            <a:r>
-              <a:rPr lang="en-US" sz="2800" b="0">
-                <a:latin typeface="Calibri" charset="0"/>
-                <a:cs typeface="SimSun" charset="0"/>
-              </a:rPr>
-              <a:t>Trojans can steal all your financial data like bank accounts, transaction details, PayPal related information</a:t>
-            </a:r>
-            <a:endParaRPr lang="en-US" sz="2800" b="0">
-              <a:latin typeface="Calibri" charset="0"/>
-              <a:cs typeface="SimSun" charset="0"/>
-            </a:endParaRPr>
-          </a:p>
-        </p:txBody>
-      </p:sp>
+      </p:pic>
     </p:spTree>
   </p:cSld>
   <p:clrMapOvr>
@@ -5261,7 +4862,7 @@
         </p:nvSpPr>
         <p:spPr>
           <a:xfrm>
-            <a:off x="2205990" y="203835"/>
+            <a:off x="2051050" y="203835"/>
             <a:ext cx="9508490" cy="1322070"/>
           </a:xfrm>
           <a:prstGeom prst="rect">
@@ -5275,16 +4876,16 @@
           </a:bodyPr>
           <a:p>
             <a:r>
-              <a:rPr lang="en-US" altLang="en-US" sz="8000">
+              <a:rPr lang="" altLang="en-US" sz="8000">
                 <a:solidFill>
                   <a:srgbClr val="C6790C"/>
                 </a:solidFill>
                 <a:latin typeface="Uroob" panose="00000800000000000000" charset="0"/>
                 <a:cs typeface="Uroob" panose="00000800000000000000" charset="0"/>
               </a:rPr>
-              <a:t>Denial of Services</a:t>
-            </a:r>
-            <a:endParaRPr lang="en-US" altLang="en-US" sz="8000">
+              <a:t>XSS Example</a:t>
+            </a:r>
+            <a:endParaRPr lang="" altLang="en-US" sz="8000">
               <a:solidFill>
                 <a:srgbClr val="C6790C"/>
               </a:solidFill>
@@ -5296,14 +4897,14 @@
       </p:sp>
       <p:sp>
         <p:nvSpPr>
-          <p:cNvPr id="3" name="Text Box 2"/>
+          <p:cNvPr id="100" name="Text Box 99"/>
           <p:cNvSpPr txBox="1"/>
           <p:nvPr/>
         </p:nvSpPr>
         <p:spPr>
           <a:xfrm>
-            <a:off x="1156335" y="2259330"/>
-            <a:ext cx="5080000" cy="2861310"/>
+            <a:off x="1365250" y="2613660"/>
+            <a:ext cx="5080000" cy="521970"/>
           </a:xfrm>
           <a:prstGeom prst="rect">
             <a:avLst/>
@@ -5318,15 +4919,8 @@
             <a:spAutoFit/>
           </a:bodyPr>
           <a:p>
-            <a:pPr marL="0" indent="0"/>
-            <a:r>
-              <a:rPr lang="en-US" sz="3600" b="0">
-                <a:latin typeface="Calibri" charset="0"/>
-                <a:cs typeface="SimSun" charset="0"/>
-              </a:rPr>
-              <a:t>Trojans can use the victim computer to attack other systems using Denial of Services</a:t>
-            </a:r>
-            <a:endParaRPr lang="en-US" sz="3600" b="0">
+            <a:pPr indent="0"/>
+            <a:endParaRPr lang="en-US" sz="2800" b="0">
               <a:latin typeface="Calibri" charset="0"/>
               <a:cs typeface="SimSun" charset="0"/>
             </a:endParaRPr>
@@ -5335,7 +4929,7 @@
       </p:sp>
       <p:pic>
         <p:nvPicPr>
-          <p:cNvPr id="8" name="Picture 7" descr="IMG_256"/>
+          <p:cNvPr id="3" name="Picture 1" descr="IMG_256"/>
           <p:cNvPicPr>
             <a:picLocks noChangeAspect="1"/>
           </p:cNvPicPr>
@@ -5343,19 +4937,6 @@
         </p:nvPicPr>
         <p:blipFill>
           <a:blip r:embed="rId4">
-            <a:clrChange>
-              <a:clrFrom>
-                <a:srgbClr val="FFFFFF">
-                  <a:alpha val="100000"/>
-                </a:srgbClr>
-              </a:clrFrom>
-              <a:clrTo>
-                <a:srgbClr val="FFFFFF">
-                  <a:alpha val="100000"/>
-                  <a:alpha val="0"/>
-                </a:srgbClr>
-              </a:clrTo>
-            </a:clrChange>
             <a:lum bright="-6000"/>
           </a:blip>
           <a:stretch>
@@ -5364,8 +4945,8 @@
         </p:blipFill>
         <p:spPr>
           <a:xfrm>
-            <a:off x="6236335" y="2366010"/>
-            <a:ext cx="5640070" cy="3323590"/>
+            <a:off x="413385" y="2134870"/>
+            <a:ext cx="6984365" cy="3515360"/>
           </a:xfrm>
           <a:prstGeom prst="rect">
             <a:avLst/>
@@ -5376,6 +4957,53 @@
           </a:ln>
         </p:spPr>
       </p:pic>
+      <p:sp>
+        <p:nvSpPr>
+          <p:cNvPr id="4" name="Text Box 3"/>
+          <p:cNvSpPr txBox="1"/>
+          <p:nvPr/>
+        </p:nvSpPr>
+        <p:spPr>
+          <a:xfrm>
+            <a:off x="7530465" y="3396932"/>
+            <a:ext cx="5080000" cy="1383665"/>
+          </a:xfrm>
+          <a:prstGeom prst="rect">
+            <a:avLst/>
+          </a:prstGeom>
+          <a:noFill/>
+          <a:ln w="9525">
+            <a:noFill/>
+          </a:ln>
+        </p:spPr>
+        <p:txBody>
+          <a:bodyPr>
+            <a:spAutoFit/>
+          </a:bodyPr>
+          <a:p>
+            <a:pPr marL="0" indent="0" algn="l"/>
+            <a:r>
+              <a:rPr lang="en-US" sz="2800">
+                <a:solidFill>
+                  <a:srgbClr val="1E1C11"/>
+                </a:solidFill>
+                <a:latin typeface="Calibri" charset="0"/>
+                <a:cs typeface="SimSun" charset="0"/>
+              </a:rPr>
+              <a:t>&lt;script&gt;  +   alert(‘I am Vulnerable’)  +&lt;/script&gt;</a:t>
+            </a:r>
+            <a:endParaRPr lang="en-US" sz="2800">
+              <a:solidFill>
+                <a:srgbClr val="1E1C11"/>
+              </a:solidFill>
+              <a:latin typeface="Calibri" charset="0"/>
+              <a:cs typeface="SimSun" charset="0"/>
+            </a:endParaRPr>
+          </a:p>
+        </p:txBody>
+      </p:sp>
     </p:spTree>
   </p:cSld>
   <p:clrMapOvr>
@@ -5652,16 +5280,16 @@
           </a:bodyPr>
           <a:p>
             <a:r>
-              <a:rPr lang="" altLang="en-US" sz="8000">
+              <a:rPr lang="en-US" altLang="en-US" sz="8000">
                 <a:solidFill>
                   <a:srgbClr val="C6790C"/>
                 </a:solidFill>
                 <a:latin typeface="Uroob" panose="00000800000000000000" charset="0"/>
                 <a:cs typeface="Uroob" panose="00000800000000000000" charset="0"/>
               </a:rPr>
-              <a:t>Ransome Trojan</a:t>
-            </a:r>
-            <a:endParaRPr lang="" altLang="en-US" sz="8000">
+              <a:t>Types of XSS Attacks</a:t>
+            </a:r>
+            <a:endParaRPr lang="en-US" altLang="en-US" sz="8000">
               <a:solidFill>
                 <a:srgbClr val="C6790C"/>
               </a:solidFill>
@@ -5671,9 +5299,102 @@
           </a:p>
         </p:txBody>
       </p:sp>
+      <p:sp>
+        <p:nvSpPr>
+          <p:cNvPr id="100" name="Text Box 99"/>
+          <p:cNvSpPr txBox="1"/>
+          <p:nvPr/>
+        </p:nvSpPr>
+        <p:spPr>
+          <a:xfrm>
+            <a:off x="1365250" y="2613660"/>
+            <a:ext cx="5080000" cy="521970"/>
+          </a:xfrm>
+          <a:prstGeom prst="rect">
+            <a:avLst/>
+          </a:prstGeom>
+          <a:noFill/>
+          <a:ln w="9525">
+            <a:noFill/>
+          </a:ln>
+        </p:spPr>
+        <p:txBody>
+          <a:bodyPr>
+            <a:spAutoFit/>
+          </a:bodyPr>
+          <a:p>
+            <a:pPr indent="0"/>
+            <a:endParaRPr lang="en-US" sz="2800" b="0">
+              <a:latin typeface="Calibri" charset="0"/>
+              <a:cs typeface="SimSun" charset="0"/>
+            </a:endParaRPr>
+          </a:p>
+        </p:txBody>
+      </p:sp>
+      <p:sp>
+        <p:nvSpPr>
+          <p:cNvPr id="2" name="Text Box 1"/>
+          <p:cNvSpPr txBox="1"/>
+          <p:nvPr/>
+        </p:nvSpPr>
+        <p:spPr>
+          <a:xfrm>
+            <a:off x="1202690" y="2613660"/>
+            <a:ext cx="5080000" cy="1753235"/>
+          </a:xfrm>
+          <a:prstGeom prst="rect">
+            <a:avLst/>
+          </a:prstGeom>
+          <a:noFill/>
+          <a:ln w="9525">
+            <a:noFill/>
+          </a:ln>
+        </p:spPr>
+        <p:txBody>
+          <a:bodyPr>
+            <a:spAutoFit/>
+          </a:bodyPr>
+          <a:p>
+            <a:pPr marL="342900" indent="-342900">
+              <a:buAutoNum type="arabicPeriod"/>
+            </a:pPr>
+            <a:r>
+              <a:rPr lang="en-US" sz="3600" b="0">
+                <a:latin typeface="Calibri" charset="0"/>
+                <a:cs typeface="SimSun" charset="0"/>
+              </a:rPr>
+              <a:t>Persistent XSS</a:t>
+            </a:r>
+            <a:endParaRPr lang="en-US" sz="3600" b="0">
+              <a:latin typeface="Calibri" charset="0"/>
+              <a:cs typeface="SimSun" charset="0"/>
+            </a:endParaRPr>
+          </a:p>
+          <a:p>
+            <a:pPr marL="342900" indent="-342900">
+              <a:buAutoNum type="arabicPeriod"/>
+            </a:pPr>
+            <a:r>
+              <a:rPr lang="en-US" sz="3600"/>
+              <a:t>Reflected XSS</a:t>
+            </a:r>
+            <a:endParaRPr lang="en-US" sz="3600"/>
+          </a:p>
+          <a:p>
+            <a:pPr marL="342900" indent="-342900">
+              <a:buAutoNum type="arabicPeriod"/>
+            </a:pPr>
+            <a:r>
+              <a:rPr lang="en-US" sz="3600"/>
+              <a:t>DOM-based XSS</a:t>
+            </a:r>
+            <a:endParaRPr lang="en-US" sz="3600"/>
+          </a:p>
+        </p:txBody>
+      </p:sp>
       <p:pic>
         <p:nvPicPr>
-          <p:cNvPr id="2" name="Picture 1" descr="IMG_256"/>
+          <p:cNvPr id="3" name="Picture 2"/>
           <p:cNvPicPr>
             <a:picLocks noChangeAspect="1"/>
           </p:cNvPicPr>
@@ -5683,12 +5404,12 @@
           <a:blip r:embed="rId4">
             <a:clrChange>
               <a:clrFrom>
-                <a:srgbClr val="638587">
+                <a:srgbClr val="FFFFFF">
                   <a:alpha val="100000"/>
                 </a:srgbClr>
               </a:clrFrom>
               <a:clrTo>
-                <a:srgbClr val="638587">
+                <a:srgbClr val="FFFFFF">
                   <a:alpha val="100000"/>
                   <a:alpha val="0"/>
                 </a:srgbClr>
@@ -5702,57 +5423,14 @@
         </p:blipFill>
         <p:spPr>
           <a:xfrm>
-            <a:off x="5932170" y="1430655"/>
-            <a:ext cx="5062220" cy="5062220"/>
+            <a:off x="6282690" y="1757045"/>
+            <a:ext cx="4693920" cy="4371340"/>
           </a:xfrm>
           <a:prstGeom prst="rect">
             <a:avLst/>
           </a:prstGeom>
-          <a:noFill/>
-          <a:ln w="9525">
-            <a:noFill/>
-          </a:ln>
         </p:spPr>
       </p:pic>
-      <p:sp>
-        <p:nvSpPr>
-          <p:cNvPr id="100" name="Text Box 99"/>
-          <p:cNvSpPr txBox="1"/>
-          <p:nvPr/>
-        </p:nvSpPr>
-        <p:spPr>
-          <a:xfrm>
-            <a:off x="852170" y="2685415"/>
-            <a:ext cx="5080000" cy="2553335"/>
-          </a:xfrm>
-          <a:prstGeom prst="rect">
-            <a:avLst/>
-          </a:prstGeom>
-          <a:noFill/>
-          <a:ln w="9525">
-            <a:noFill/>
-          </a:ln>
-        </p:spPr>
-        <p:txBody>
-          <a:bodyPr>
-            <a:spAutoFit/>
-          </a:bodyPr>
-          <a:p>
-            <a:pPr marL="0" indent="0"/>
-            <a:r>
-              <a:rPr lang="en-US" sz="3200" b="0">
-                <a:latin typeface="Calibri" charset="0"/>
-                <a:cs typeface="SimSun" charset="0"/>
-              </a:rPr>
-              <a:t>Trojans can encrypt all your files and the hacker may thereafter demand money to decrypt them</a:t>
-            </a:r>
-            <a:endParaRPr lang="en-US" sz="3200" b="0">
-              <a:latin typeface="Calibri" charset="0"/>
-              <a:cs typeface="SimSun" charset="0"/>
-            </a:endParaRPr>
-          </a:p>
-        </p:txBody>
-      </p:sp>
     </p:spTree>
   </p:cSld>
   <p:clrMapOvr>
@@ -6029,16 +5707,16 @@
           </a:bodyPr>
           <a:p>
             <a:r>
-              <a:rPr lang="" altLang="en-US" sz="8000">
+              <a:rPr lang="en-US" altLang="en-US" sz="8000">
                 <a:solidFill>
                   <a:srgbClr val="C6790C"/>
                 </a:solidFill>
                 <a:latin typeface="Uroob" panose="00000800000000000000" charset="0"/>
                 <a:cs typeface="Uroob" panose="00000800000000000000" charset="0"/>
               </a:rPr>
-              <a:t>        SMS Trojan</a:t>
-            </a:r>
-            <a:endParaRPr lang="" altLang="en-US" sz="8000">
+              <a:t>SQL Injection</a:t>
+            </a:r>
+            <a:endParaRPr lang="en-US" altLang="en-US" sz="8000">
               <a:solidFill>
                 <a:srgbClr val="C6790C"/>
               </a:solidFill>
@@ -6048,9 +5726,80 @@
           </a:p>
         </p:txBody>
       </p:sp>
+      <p:sp>
+        <p:nvSpPr>
+          <p:cNvPr id="100" name="Text Box 99"/>
+          <p:cNvSpPr txBox="1"/>
+          <p:nvPr/>
+        </p:nvSpPr>
+        <p:spPr>
+          <a:xfrm>
+            <a:off x="1365250" y="2613660"/>
+            <a:ext cx="5080000" cy="521970"/>
+          </a:xfrm>
+          <a:prstGeom prst="rect">
+            <a:avLst/>
+          </a:prstGeom>
+          <a:noFill/>
+          <a:ln w="9525">
+            <a:noFill/>
+          </a:ln>
+        </p:spPr>
+        <p:txBody>
+          <a:bodyPr>
+            <a:spAutoFit/>
+          </a:bodyPr>
+          <a:p>
+            <a:pPr indent="0"/>
+            <a:endParaRPr lang="en-US" sz="2800" b="0">
+              <a:latin typeface="Calibri" charset="0"/>
+              <a:cs typeface="SimSun" charset="0"/>
+            </a:endParaRPr>
+          </a:p>
+        </p:txBody>
+      </p:sp>
+      <p:sp>
+        <p:nvSpPr>
+          <p:cNvPr id="2" name="Text Box 1"/>
+          <p:cNvSpPr txBox="1"/>
+          <p:nvPr/>
+        </p:nvSpPr>
+        <p:spPr>
+          <a:xfrm>
+            <a:off x="7054215" y="2613660"/>
+            <a:ext cx="5080000" cy="2245360"/>
+          </a:xfrm>
+          <a:prstGeom prst="rect">
+            <a:avLst/>
+          </a:prstGeom>
+          <a:noFill/>
+          <a:ln w="9525">
+            <a:noFill/>
+          </a:ln>
+        </p:spPr>
+        <p:txBody>
+          <a:bodyPr>
+            <a:spAutoFit/>
+          </a:bodyPr>
+          <a:p>
+            <a:pPr marL="0" indent="0"/>
+            <a:r>
+              <a:rPr lang="en-US" sz="2800" b="0">
+                <a:latin typeface="Calibri" charset="0"/>
+                <a:cs typeface="SimSun" charset="0"/>
+              </a:rPr>
+              <a:t>SQL injection is a set of SQL commands that are placed in a URL string or in data structures in order to retrieve a response</a:t>
+            </a:r>
+            <a:endParaRPr lang="en-US" sz="2800" b="0">
+              <a:latin typeface="Calibri" charset="0"/>
+              <a:cs typeface="SimSun" charset="0"/>
+            </a:endParaRPr>
+          </a:p>
+        </p:txBody>
+      </p:sp>
       <p:pic>
         <p:nvPicPr>
-          <p:cNvPr id="2" name="Picture 1" descr="IMG_256"/>
+          <p:cNvPr id="3" name="Picture 2"/>
           <p:cNvPicPr>
             <a:picLocks noChangeAspect="1"/>
           </p:cNvPicPr>
@@ -6079,57 +5828,14 @@
         </p:blipFill>
         <p:spPr>
           <a:xfrm>
-            <a:off x="5503545" y="2087245"/>
-            <a:ext cx="6210935" cy="3655060"/>
+            <a:off x="107950" y="2305050"/>
+            <a:ext cx="6337300" cy="2247900"/>
           </a:xfrm>
           <a:prstGeom prst="rect">
             <a:avLst/>
           </a:prstGeom>
-          <a:noFill/>
-          <a:ln w="9525">
-            <a:noFill/>
-          </a:ln>
         </p:spPr>
       </p:pic>
-      <p:sp>
-        <p:nvSpPr>
-          <p:cNvPr id="100" name="Text Box 99"/>
-          <p:cNvSpPr txBox="1"/>
-          <p:nvPr/>
-        </p:nvSpPr>
-        <p:spPr>
-          <a:xfrm>
-            <a:off x="657225" y="3352165"/>
-            <a:ext cx="5080000" cy="1568450"/>
-          </a:xfrm>
-          <a:prstGeom prst="rect">
-            <a:avLst/>
-          </a:prstGeom>
-          <a:noFill/>
-          <a:ln w="9525">
-            <a:noFill/>
-          </a:ln>
-        </p:spPr>
-        <p:txBody>
-          <a:bodyPr>
-            <a:spAutoFit/>
-          </a:bodyPr>
-          <a:p>
-            <a:pPr marL="0" indent="0"/>
-            <a:r>
-              <a:rPr lang="en-US" sz="3200" b="0">
-                <a:latin typeface="Calibri" charset="0"/>
-                <a:cs typeface="SimSun" charset="0"/>
-              </a:rPr>
-              <a:t>They can use your phones to send SMS to third parties</a:t>
-            </a:r>
-            <a:endParaRPr lang="en-US" sz="3200" b="0">
-              <a:latin typeface="Calibri" charset="0"/>
-              <a:cs typeface="SimSun" charset="0"/>
-            </a:endParaRPr>
-          </a:p>
-        </p:txBody>
-      </p:sp>
     </p:spTree>
   </p:cSld>
   <p:clrMapOvr>
@@ -6413,9 +6119,19 @@
                 <a:latin typeface="Uroob" panose="00000800000000000000" charset="0"/>
                 <a:cs typeface="Uroob" panose="00000800000000000000" charset="0"/>
               </a:rPr>
-              <a:t>TCP/IP Hijacking</a:t>
-            </a:r>
-            <a:endParaRPr lang="en-US" altLang="en-US" sz="8000">
+              <a:t>SQL Injection </a:t>
+            </a:r>
+            <a:r>
+              <a:rPr lang="" altLang="en-US" sz="8000">
+                <a:solidFill>
+                  <a:srgbClr val="C6790C"/>
+                </a:solidFill>
+                <a:latin typeface="Uroob" panose="00000800000000000000" charset="0"/>
+                <a:cs typeface="Uroob" panose="00000800000000000000" charset="0"/>
+              </a:rPr>
+              <a:t>Tools</a:t>
+            </a:r>
+            <a:endParaRPr lang="" altLang="en-US" sz="8000">
               <a:solidFill>
                 <a:srgbClr val="C6790C"/>
               </a:solidFill>
@@ -6425,40 +6141,16 @@
           </a:p>
         </p:txBody>
       </p:sp>
-      <p:pic>
-        <p:nvPicPr>
-          <p:cNvPr id="12" name="Picture 11" descr="IMG_256"/>
-          <p:cNvPicPr>
-            <a:picLocks noChangeAspect="1"/>
-          </p:cNvPicPr>
+      <p:sp>
+        <p:nvSpPr>
+          <p:cNvPr id="100" name="Text Box 99"/>
+          <p:cNvSpPr txBox="1"/>
           <p:nvPr/>
-        </p:nvPicPr>
-        <p:blipFill>
-          <a:blip r:embed="rId4">
-            <a:clrChange>
-              <a:clrFrom>
-                <a:srgbClr val="FFFFFF">
-                  <a:alpha val="100000"/>
-                </a:srgbClr>
-              </a:clrFrom>
-              <a:clrTo>
-                <a:srgbClr val="FFFFFF">
-                  <a:alpha val="100000"/>
-                  <a:alpha val="0"/>
-                </a:srgbClr>
-              </a:clrTo>
-            </a:clrChange>
-            <a:lum bright="-6000"/>
-          </a:blip>
-          <a:srcRect t="10274" b="3890"/>
-          <a:stretch>
-            <a:fillRect/>
-          </a:stretch>
-        </p:blipFill>
-        <p:spPr>
-          <a:xfrm>
-            <a:off x="5408930" y="1765935"/>
-            <a:ext cx="6305550" cy="4056380"/>
+        </p:nvSpPr>
+        <p:spPr>
+          <a:xfrm>
+            <a:off x="1365250" y="2613660"/>
+            <a:ext cx="5080000" cy="521970"/>
           </a:xfrm>
           <a:prstGeom prst="rect">
             <a:avLst/>
@@ -6468,17 +6160,29 @@
             <a:noFill/>
           </a:ln>
         </p:spPr>
-      </p:pic>
-      <p:sp>
-        <p:nvSpPr>
-          <p:cNvPr id="100" name="Text Box 99"/>
+        <p:txBody>
+          <a:bodyPr>
+            <a:spAutoFit/>
+          </a:bodyPr>
+          <a:p>
+            <a:pPr indent="0"/>
+            <a:endParaRPr lang="en-US" sz="2800" b="0">
+              <a:latin typeface="Calibri" charset="0"/>
+              <a:cs typeface="SimSun" charset="0"/>
+            </a:endParaRPr>
+          </a:p>
+        </p:txBody>
+      </p:sp>
+      <p:sp>
+        <p:nvSpPr>
+          <p:cNvPr id="2" name="Text Box 1"/>
           <p:cNvSpPr txBox="1"/>
           <p:nvPr/>
         </p:nvSpPr>
         <p:spPr>
           <a:xfrm>
-            <a:off x="328930" y="2779395"/>
-            <a:ext cx="5080000" cy="2553335"/>
+            <a:off x="991235" y="2745740"/>
+            <a:ext cx="5080000" cy="1938020"/>
           </a:xfrm>
           <a:prstGeom prst="rect">
             <a:avLst/>
@@ -6495,13 +6199,13 @@
           <a:p>
             <a:pPr marL="0" indent="0"/>
             <a:r>
-              <a:rPr lang="en-US" sz="3200" b="0">
+              <a:rPr lang="en-US" sz="4000" b="0">
                 <a:latin typeface="Calibri" charset="0"/>
                 <a:cs typeface="SimSun" charset="0"/>
               </a:rPr>
-              <a:t>when an authorized user gains access to a genuine network connection of</a:t>
-            </a:r>
-            <a:endParaRPr lang="en-US" sz="3200" b="0">
+              <a:t>SQLMAP</a:t>
+            </a:r>
+            <a:endParaRPr lang="en-US" sz="4000" b="0">
               <a:latin typeface="Calibri" charset="0"/>
               <a:cs typeface="SimSun" charset="0"/>
             </a:endParaRPr>
@@ -6509,317 +6213,36 @@
           <a:p>
             <a:pPr marL="0" indent="0"/>
             <a:r>
-              <a:rPr lang="en-US" sz="3200" b="0">
+              <a:rPr lang="" altLang="en-US" sz="4000" b="0">
                 <a:latin typeface="Calibri" charset="0"/>
                 <a:cs typeface="SimSun" charset="0"/>
               </a:rPr>
-              <a:t>another user</a:t>
-            </a:r>
-            <a:endParaRPr lang="en-US" sz="3200" b="0">
+              <a:t>SQL NInja</a:t>
+            </a:r>
+            <a:endParaRPr lang="" altLang="en-US" sz="4000" b="0">
               <a:latin typeface="Calibri" charset="0"/>
               <a:cs typeface="SimSun" charset="0"/>
             </a:endParaRPr>
           </a:p>
-        </p:txBody>
-      </p:sp>
-    </p:spTree>
-  </p:cSld>
-  <p:clrMapOvr>
-    <a:masterClrMapping/>
-  </p:clrMapOvr>
-</p:sld>
-</file>
-
-<file path=ppt/slides/slide8.xml><?xml version="1.0" encoding="utf-8"?>
-<p:sld xmlns:a="http://schemas.openxmlformats.org/drawingml/2006/main" xmlns:r="http://schemas.openxmlformats.org/officeDocument/2006/relationships" xmlns:p="http://schemas.openxmlformats.org/presentationml/2006/main">
-  <p:cSld>
-    <p:bg>
-      <p:bgPr>
-        <a:gradFill>
-          <a:gsLst>
-            <a:gs pos="94000">
-              <a:srgbClr val="92D050"/>
-            </a:gs>
-            <a:gs pos="99000">
-              <a:srgbClr val="557A2F">
-                <a:alpha val="100000"/>
-              </a:srgbClr>
-            </a:gs>
-            <a:gs pos="99000">
-              <a:srgbClr val="577D30">
-                <a:alpha val="100000"/>
-              </a:srgbClr>
-            </a:gs>
-            <a:gs pos="98000">
-              <a:srgbClr val="5C8433">
-                <a:alpha val="100000"/>
-              </a:srgbClr>
-            </a:gs>
-            <a:gs pos="96000">
-              <a:srgbClr val="659138">
-                <a:alpha val="100000"/>
-              </a:srgbClr>
-            </a:gs>
-            <a:gs pos="92000">
-              <a:srgbClr val="78AC42">
-                <a:alpha val="100000"/>
-              </a:srgbClr>
-            </a:gs>
-            <a:gs pos="42000">
-              <a:schemeClr val="bg1"/>
-            </a:gs>
-            <a:gs pos="100000">
-              <a:srgbClr val="52762D"/>
-            </a:gs>
-          </a:gsLst>
-          <a:lin ang="17400000" scaled="0"/>
-        </a:gradFill>
-        <a:effectLst/>
-      </p:bgPr>
-    </p:bg>
-    <p:spTree>
-      <p:nvGrpSpPr>
-        <p:cNvPr id="1" name=""/>
-        <p:cNvGrpSpPr/>
-        <p:nvPr/>
-      </p:nvGrpSpPr>
-      <p:grpSpPr/>
+          <a:p>
+            <a:pPr marL="0" indent="0"/>
+            <a:r>
+              <a:rPr lang="en-US" sz="4000" b="0">
+                <a:latin typeface="Calibri" charset="0"/>
+                <a:cs typeface="SimSun" charset="0"/>
+              </a:rPr>
+              <a:t>JSQL Injection </a:t>
+            </a:r>
+            <a:endParaRPr lang="en-US" sz="4000" b="0">
+              <a:latin typeface="Calibri" charset="0"/>
+              <a:cs typeface="SimSun" charset="0"/>
+            </a:endParaRPr>
+          </a:p>
+        </p:txBody>
+      </p:sp>
       <p:pic>
         <p:nvPicPr>
-          <p:cNvPr id="5" name="Picture 4" descr="United TrusT Logo"/>
-          <p:cNvPicPr>
-            <a:picLocks noChangeAspect="1"/>
-          </p:cNvPicPr>
-          <p:nvPr/>
-        </p:nvPicPr>
-        <p:blipFill>
-          <a:blip r:embed="rId1"/>
-          <a:stretch>
-            <a:fillRect/>
-          </a:stretch>
-        </p:blipFill>
-        <p:spPr>
-          <a:xfrm>
-            <a:off x="108585" y="6128385"/>
-            <a:ext cx="1650365" cy="634365"/>
-          </a:xfrm>
-          <a:prstGeom prst="rect">
-            <a:avLst/>
-          </a:prstGeom>
-        </p:spPr>
-      </p:pic>
-      <p:pic>
-        <p:nvPicPr>
-          <p:cNvPr id="6" name="Picture 5" descr="bdedu_logo"/>
-          <p:cNvPicPr>
-            <a:picLocks noChangeAspect="1"/>
-          </p:cNvPicPr>
-          <p:nvPr/>
-        </p:nvPicPr>
-        <p:blipFill>
-          <a:blip r:embed="rId2"/>
-          <a:stretch>
-            <a:fillRect/>
-          </a:stretch>
-        </p:blipFill>
-        <p:spPr>
-          <a:xfrm>
-            <a:off x="9440545" y="6061710"/>
-            <a:ext cx="2693670" cy="701040"/>
-          </a:xfrm>
-          <a:prstGeom prst="rect">
-            <a:avLst/>
-          </a:prstGeom>
-        </p:spPr>
-      </p:pic>
-      <p:pic>
-        <p:nvPicPr>
-          <p:cNvPr id="9" name="Picture 8"/>
-          <p:cNvPicPr>
-            <a:picLocks noChangeAspect="1"/>
-          </p:cNvPicPr>
-          <p:nvPr/>
-        </p:nvPicPr>
-        <p:blipFill>
-          <a:blip r:embed="rId3">
-            <a:lum bright="24000"/>
-          </a:blip>
-          <a:stretch>
-            <a:fillRect/>
-          </a:stretch>
-        </p:blipFill>
-        <p:spPr>
-          <a:xfrm>
-            <a:off x="108585" y="-498475"/>
-            <a:ext cx="2097405" cy="2482850"/>
-          </a:xfrm>
-          <a:prstGeom prst="rect">
-            <a:avLst/>
-          </a:prstGeom>
-          <a:noFill/>
-          <a:ln>
-            <a:noFill/>
-          </a:ln>
-        </p:spPr>
-      </p:pic>
-      <p:sp>
-        <p:nvSpPr>
-          <p:cNvPr id="10" name="Freeform 9"/>
-          <p:cNvSpPr/>
-          <p:nvPr/>
-        </p:nvSpPr>
-        <p:spPr>
-          <a:xfrm>
-            <a:off x="2205990" y="283845"/>
-            <a:ext cx="9353550" cy="1162050"/>
-          </a:xfrm>
-          <a:custGeom>
-            <a:avLst/>
-            <a:gdLst>
-              <a:gd name="connsiteX0" fmla="*/ 0 w 14730"/>
-              <a:gd name="connsiteY0" fmla="*/ 0 h 1830"/>
-              <a:gd name="connsiteX1" fmla="*/ 13869 w 14730"/>
-              <a:gd name="connsiteY1" fmla="*/ 60 h 1830"/>
-              <a:gd name="connsiteX2" fmla="*/ 14730 w 14730"/>
-              <a:gd name="connsiteY2" fmla="*/ 1830 h 1830"/>
-              <a:gd name="connsiteX3" fmla="*/ 0 w 14730"/>
-              <a:gd name="connsiteY3" fmla="*/ 1830 h 1830"/>
-              <a:gd name="connsiteX4" fmla="*/ 0 w 14730"/>
-              <a:gd name="connsiteY4" fmla="*/ 0 h 1830"/>
-            </a:gdLst>
-            <a:ahLst/>
-            <a:cxnLst>
-              <a:cxn ang="0">
-                <a:pos x="connsiteX0" y="connsiteY0"/>
-              </a:cxn>
-              <a:cxn ang="0">
-                <a:pos x="connsiteX1" y="connsiteY1"/>
-              </a:cxn>
-              <a:cxn ang="0">
-                <a:pos x="connsiteX2" y="connsiteY2"/>
-              </a:cxn>
-              <a:cxn ang="0">
-                <a:pos x="connsiteX3" y="connsiteY3"/>
-              </a:cxn>
-              <a:cxn ang="0">
-                <a:pos x="connsiteX4" y="connsiteY4"/>
-              </a:cxn>
-            </a:cxnLst>
-            <a:rect l="l" t="t" r="r" b="b"/>
-            <a:pathLst>
-              <a:path w="14730" h="1830">
-                <a:moveTo>
-                  <a:pt x="0" y="0"/>
-                </a:moveTo>
-                <a:lnTo>
-                  <a:pt x="13869" y="60"/>
-                </a:lnTo>
-                <a:lnTo>
-                  <a:pt x="14730" y="1830"/>
-                </a:lnTo>
-                <a:lnTo>
-                  <a:pt x="0" y="1830"/>
-                </a:lnTo>
-                <a:lnTo>
-                  <a:pt x="0" y="0"/>
-                </a:lnTo>
-                <a:close/>
-              </a:path>
-            </a:pathLst>
-          </a:custGeom>
-          <a:gradFill>
-            <a:gsLst>
-              <a:gs pos="80000">
-                <a:srgbClr val="92D050"/>
-              </a:gs>
-              <a:gs pos="100000">
-                <a:schemeClr val="accent1">
-                  <a:lumMod val="30000"/>
-                  <a:lumOff val="70000"/>
-                </a:schemeClr>
-              </a:gs>
-            </a:gsLst>
-            <a:path path="rect">
-              <a:fillToRect l="50000" t="50000" r="50000" b="50000"/>
-            </a:path>
-            <a:tileRect/>
-          </a:gradFill>
-          <a:ln>
-            <a:solidFill>
-              <a:schemeClr val="bg1">
-                <a:alpha val="88000"/>
-              </a:schemeClr>
-            </a:solidFill>
-          </a:ln>
-        </p:spPr>
-        <p:style>
-          <a:lnRef idx="2">
-            <a:schemeClr val="accent1">
-              <a:shade val="50000"/>
-            </a:schemeClr>
-          </a:lnRef>
-          <a:fillRef idx="1">
-            <a:schemeClr val="accent1"/>
-          </a:fillRef>
-          <a:effectRef idx="0">
-            <a:schemeClr val="accent1"/>
-          </a:effectRef>
-          <a:fontRef idx="minor">
-            <a:schemeClr val="lt1"/>
-          </a:fontRef>
-        </p:style>
-        <p:txBody>
-          <a:bodyPr rtlCol="0" anchor="ctr"/>
-          <a:p>
-            <a:pPr algn="ctr"/>
-            <a:endParaRPr lang="en-US"/>
-          </a:p>
-        </p:txBody>
-      </p:sp>
-      <p:sp>
-        <p:nvSpPr>
-          <p:cNvPr id="11" name="Text Box 10"/>
-          <p:cNvSpPr txBox="1"/>
-          <p:nvPr/>
-        </p:nvSpPr>
-        <p:spPr>
-          <a:xfrm>
-            <a:off x="2205990" y="203835"/>
-            <a:ext cx="9508490" cy="1322070"/>
-          </a:xfrm>
-          <a:prstGeom prst="rect">
-            <a:avLst/>
-          </a:prstGeom>
-          <a:noFill/>
-        </p:spPr>
-        <p:txBody>
-          <a:bodyPr wrap="square" rtlCol="0">
-            <a:spAutoFit/>
-          </a:bodyPr>
-          <a:p>
-            <a:r>
-              <a:rPr lang="" altLang="en-US" sz="8000">
-                <a:solidFill>
-                  <a:srgbClr val="C6790C"/>
-                </a:solidFill>
-                <a:latin typeface="Uroob" panose="00000800000000000000" charset="0"/>
-                <a:cs typeface="Uroob" panose="00000800000000000000" charset="0"/>
-              </a:rPr>
-              <a:t>       IP Address</a:t>
-            </a:r>
-            <a:endParaRPr lang="" altLang="en-US" sz="8000">
-              <a:solidFill>
-                <a:srgbClr val="C6790C"/>
-              </a:solidFill>
-              <a:latin typeface="Uroob" panose="00000800000000000000" charset="0"/>
-              <a:cs typeface="Uroob" panose="00000800000000000000" charset="0"/>
-            </a:endParaRPr>
-          </a:p>
-        </p:txBody>
-      </p:sp>
-      <p:pic>
-        <p:nvPicPr>
-          <p:cNvPr id="14" name="Picture 13" descr="IMG_256"/>
+          <p:cNvPr id="3" name="Picture 2"/>
           <p:cNvPicPr>
             <a:picLocks noChangeAspect="1"/>
           </p:cNvPicPr>
@@ -6848,16 +6271,12 @@
         </p:blipFill>
         <p:spPr>
           <a:xfrm>
-            <a:off x="1650365" y="1984375"/>
-            <a:ext cx="8557260" cy="3655695"/>
+            <a:off x="4778375" y="659765"/>
+            <a:ext cx="6109970" cy="6109970"/>
           </a:xfrm>
           <a:prstGeom prst="rect">
             <a:avLst/>
           </a:prstGeom>
-          <a:noFill/>
-          <a:ln w="9525">
-            <a:noFill/>
-          </a:ln>
         </p:spPr>
       </p:pic>
     </p:spTree>
@@ -6868,7 +6287,7 @@
 </p:sld>
 </file>
 
-<file path=ppt/slides/slide9.xml><?xml version="1.0" encoding="utf-8"?>
+<file path=ppt/slides/slide8.xml><?xml version="1.0" encoding="utf-8"?>
 <p:sld xmlns:a="http://schemas.openxmlformats.org/drawingml/2006/main" xmlns:r="http://schemas.openxmlformats.org/officeDocument/2006/relationships" xmlns:p="http://schemas.openxmlformats.org/presentationml/2006/main">
   <p:cSld>
     <p:bg>
@@ -6876,7 +6295,9 @@
         <a:gradFill>
           <a:gsLst>
             <a:gs pos="94000">
-              <a:srgbClr val="92D050"/>
+              <a:srgbClr val="54782E">
+                <a:alpha val="100000"/>
+              </a:srgbClr>
             </a:gs>
             <a:gs pos="99000">
               <a:srgbClr val="557A2F">
@@ -6910,7 +6331,7 @@
               <a:srgbClr val="52762D"/>
             </a:gs>
           </a:gsLst>
-          <a:lin ang="17400000" scaled="0"/>
+          <a:lin ang="2700000" scaled="0"/>
         </a:gradFill>
         <a:effectLst/>
       </p:bgPr>
@@ -7000,202 +6421,52 @@
           </a:ln>
         </p:spPr>
       </p:pic>
-      <p:sp>
-        <p:nvSpPr>
-          <p:cNvPr id="10" name="Freeform 9"/>
-          <p:cNvSpPr/>
-          <p:nvPr/>
-        </p:nvSpPr>
-        <p:spPr>
-          <a:xfrm>
-            <a:off x="2205990" y="283845"/>
-            <a:ext cx="9353550" cy="1162050"/>
-          </a:xfrm>
-          <a:custGeom>
-            <a:avLst/>
-            <a:gdLst>
-              <a:gd name="connsiteX0" fmla="*/ 0 w 14730"/>
-              <a:gd name="connsiteY0" fmla="*/ 0 h 1830"/>
-              <a:gd name="connsiteX1" fmla="*/ 13869 w 14730"/>
-              <a:gd name="connsiteY1" fmla="*/ 60 h 1830"/>
-              <a:gd name="connsiteX2" fmla="*/ 14730 w 14730"/>
-              <a:gd name="connsiteY2" fmla="*/ 1830 h 1830"/>
-              <a:gd name="connsiteX3" fmla="*/ 0 w 14730"/>
-              <a:gd name="connsiteY3" fmla="*/ 1830 h 1830"/>
-              <a:gd name="connsiteX4" fmla="*/ 0 w 14730"/>
-              <a:gd name="connsiteY4" fmla="*/ 0 h 1830"/>
-            </a:gdLst>
-            <a:ahLst/>
-            <a:cxnLst>
-              <a:cxn ang="0">
-                <a:pos x="connsiteX0" y="connsiteY0"/>
-              </a:cxn>
-              <a:cxn ang="0">
-                <a:pos x="connsiteX1" y="connsiteY1"/>
-              </a:cxn>
-              <a:cxn ang="0">
-                <a:pos x="connsiteX2" y="connsiteY2"/>
-              </a:cxn>
-              <a:cxn ang="0">
-                <a:pos x="connsiteX3" y="connsiteY3"/>
-              </a:cxn>
-              <a:cxn ang="0">
-                <a:pos x="connsiteX4" y="connsiteY4"/>
-              </a:cxn>
-            </a:cxnLst>
-            <a:rect l="l" t="t" r="r" b="b"/>
-            <a:pathLst>
-              <a:path w="14730" h="1830">
-                <a:moveTo>
-                  <a:pt x="0" y="0"/>
-                </a:moveTo>
-                <a:lnTo>
-                  <a:pt x="13869" y="60"/>
-                </a:lnTo>
-                <a:lnTo>
-                  <a:pt x="14730" y="1830"/>
-                </a:lnTo>
-                <a:lnTo>
-                  <a:pt x="0" y="1830"/>
-                </a:lnTo>
-                <a:lnTo>
-                  <a:pt x="0" y="0"/>
-                </a:lnTo>
-                <a:close/>
-              </a:path>
-            </a:pathLst>
-          </a:custGeom>
-          <a:gradFill>
-            <a:gsLst>
-              <a:gs pos="80000">
-                <a:srgbClr val="92D050"/>
-              </a:gs>
-              <a:gs pos="100000">
-                <a:schemeClr val="accent1">
-                  <a:lumMod val="30000"/>
-                  <a:lumOff val="70000"/>
-                </a:schemeClr>
-              </a:gs>
-            </a:gsLst>
-            <a:path path="rect">
-              <a:fillToRect l="50000" t="50000" r="50000" b="50000"/>
-            </a:path>
-            <a:tileRect/>
-          </a:gradFill>
-          <a:ln>
-            <a:solidFill>
-              <a:schemeClr val="bg1">
-                <a:alpha val="88000"/>
-              </a:schemeClr>
-            </a:solidFill>
-          </a:ln>
-        </p:spPr>
-        <p:style>
-          <a:lnRef idx="2">
-            <a:schemeClr val="accent1">
-              <a:shade val="50000"/>
-            </a:schemeClr>
-          </a:lnRef>
-          <a:fillRef idx="1">
-            <a:schemeClr val="accent1"/>
-          </a:fillRef>
-          <a:effectRef idx="0">
-            <a:schemeClr val="accent1"/>
-          </a:effectRef>
-          <a:fontRef idx="minor">
-            <a:schemeClr val="lt1"/>
-          </a:fontRef>
-        </p:style>
-        <p:txBody>
-          <a:bodyPr rtlCol="0" anchor="ctr"/>
-          <a:p>
-            <a:pPr algn="ctr"/>
-            <a:endParaRPr lang="en-US"/>
-          </a:p>
-        </p:txBody>
-      </p:sp>
-      <p:sp>
-        <p:nvSpPr>
-          <p:cNvPr id="11" name="Text Box 10"/>
-          <p:cNvSpPr txBox="1"/>
-          <p:nvPr/>
-        </p:nvSpPr>
-        <p:spPr>
-          <a:xfrm>
-            <a:off x="2205990" y="203835"/>
-            <a:ext cx="9508490" cy="1322070"/>
-          </a:xfrm>
-          <a:prstGeom prst="rect">
-            <a:avLst/>
-          </a:prstGeom>
-          <a:noFill/>
-        </p:spPr>
-        <p:txBody>
-          <a:bodyPr wrap="square" rtlCol="0">
-            <a:spAutoFit/>
-          </a:bodyPr>
-          <a:p>
-            <a:r>
-              <a:rPr lang="en-US" altLang="en-US" sz="8000">
-                <a:solidFill>
-                  <a:srgbClr val="C6790C"/>
-                </a:solidFill>
-                <a:latin typeface="Uroob" panose="00000800000000000000" charset="0"/>
-                <a:cs typeface="Uroob" panose="00000800000000000000" charset="0"/>
-              </a:rPr>
-              <a:t>       IP Address</a:t>
-            </a:r>
-            <a:endParaRPr lang="en-US" altLang="en-US" sz="8000">
-              <a:solidFill>
-                <a:srgbClr val="C6790C"/>
-              </a:solidFill>
-              <a:latin typeface="Uroob" panose="00000800000000000000" charset="0"/>
-              <a:cs typeface="Uroob" panose="00000800000000000000" charset="0"/>
-            </a:endParaRPr>
-          </a:p>
-        </p:txBody>
-      </p:sp>
       <p:pic>
         <p:nvPicPr>
-          <p:cNvPr id="14" name="Picture 13" descr="IMG_256"/>
+          <p:cNvPr id="8" name="Picture 7"/>
           <p:cNvPicPr>
             <a:picLocks noChangeAspect="1"/>
           </p:cNvPicPr>
           <p:nvPr/>
         </p:nvPicPr>
         <p:blipFill>
-          <a:blip r:embed="rId4">
-            <a:clrChange>
-              <a:clrFrom>
-                <a:srgbClr val="FFFFFF">
-                  <a:alpha val="100000"/>
-                </a:srgbClr>
-              </a:clrFrom>
-              <a:clrTo>
-                <a:srgbClr val="FFFFFF">
-                  <a:alpha val="100000"/>
-                  <a:alpha val="0"/>
-                </a:srgbClr>
-              </a:clrTo>
-            </a:clrChange>
-            <a:lum bright="-6000"/>
-          </a:blip>
+          <a:blip r:embed="rId4"/>
           <a:stretch>
             <a:fillRect/>
           </a:stretch>
         </p:blipFill>
         <p:spPr>
-          <a:xfrm>
-            <a:off x="1650365" y="1984375"/>
-            <a:ext cx="8557260" cy="3655695"/>
+          <a:xfrm rot="21000000">
+            <a:off x="349250" y="2075180"/>
+            <a:ext cx="4798060" cy="3469640"/>
           </a:xfrm>
           <a:prstGeom prst="rect">
             <a:avLst/>
           </a:prstGeom>
-          <a:noFill/>
-          <a:ln w="9525">
-            <a:noFill/>
-          </a:ln>
+        </p:spPr>
+      </p:pic>
+      <p:pic>
+        <p:nvPicPr>
+          <p:cNvPr id="2" name="Picture 1"/>
+          <p:cNvPicPr>
+            <a:picLocks noChangeAspect="1"/>
+          </p:cNvPicPr>
+          <p:nvPr/>
+        </p:nvPicPr>
+        <p:blipFill>
+          <a:blip r:embed="rId5"/>
+          <a:stretch>
+            <a:fillRect/>
+          </a:stretch>
+        </p:blipFill>
+        <p:spPr>
+          <a:xfrm>
+            <a:off x="5619750" y="-20320"/>
+            <a:ext cx="6741795" cy="6934835"/>
+          </a:xfrm>
+          <a:prstGeom prst="rect">
+            <a:avLst/>
+          </a:prstGeom>
         </p:spPr>
       </p:pic>
     </p:spTree>
